--- a/Basic_Salesforce.pptx
+++ b/Basic_Salesforce.pptx
@@ -211,7 +211,7 @@
           <a:p>
             <a:fld id="{C4B8B14F-B5FC-4B22-A425-BF6EFA19901F}" type="datetimeFigureOut">
               <a:rPr lang="en-US" smtClean="0"/>
-              <a:t>9/22/2021</a:t>
+              <a:t>9/27/2021</a:t>
             </a:fld>
             <a:endParaRPr lang="en-US"/>
           </a:p>
@@ -8710,8 +8710,8 @@
               <a:t> JSON </a:t>
             </a:r>
             <a:r>
-              <a:rPr lang="hu-HU" dirty="0" err="1"/>
-              <a:t>fomratting</a:t>
+              <a:rPr lang="hu-HU"/>
+              <a:t>formatting</a:t>
             </a:r>
             <a:r>
               <a:rPr lang="hu-HU" dirty="0"/>
@@ -13234,6 +13234,15 @@
 </file>
 
 <file path=customXml/item1.xml><?xml version="1.0" encoding="utf-8"?>
+<?mso-contentType ?>
+<FormTemplates xmlns="http://schemas.microsoft.com/sharepoint/v3/contenttype/forms">
+  <Display>DocumentLibraryForm</Display>
+  <Edit>DocumentLibraryForm</Edit>
+  <New>DocumentLibraryForm</New>
+</FormTemplates>
+</file>
+
+<file path=customXml/item2.xml><?xml version="1.0" encoding="utf-8"?>
 <ct:contentTypeSchema xmlns:ct="http://schemas.microsoft.com/office/2006/metadata/contentType" xmlns:ma="http://schemas.microsoft.com/office/2006/metadata/properties/metaAttributes" ct:_="" ma:_="" ma:contentTypeName="Document" ma:contentTypeID="0x01010025D46853F0AEDE44BDFC005F3D532E3A" ma:contentTypeVersion="2" ma:contentTypeDescription="Create a new document." ma:contentTypeScope="" ma:versionID="861f607c0d7f2e32dcf989cfeffc574f">
   <xsd:schema xmlns:xsd="http://www.w3.org/2001/XMLSchema" xmlns:xs="http://www.w3.org/2001/XMLSchema" xmlns:p="http://schemas.microsoft.com/office/2006/metadata/properties" xmlns:ns2="f38f8a49-c3fb-4ec0-b2ab-f352958a975d" targetNamespace="http://schemas.microsoft.com/office/2006/metadata/properties" ma:root="true" ma:fieldsID="4787f48f6bfaab5f05dcfa25ef3642cc" ns2:_="">
     <xsd:import namespace="f38f8a49-c3fb-4ec0-b2ab-f352958a975d"/>
@@ -13365,15 +13374,6 @@
 </ct:contentTypeSchema>
 </file>
 
-<file path=customXml/item2.xml><?xml version="1.0" encoding="utf-8"?>
-<?mso-contentType ?>
-<FormTemplates xmlns="http://schemas.microsoft.com/sharepoint/v3/contenttype/forms">
-  <Display>DocumentLibraryForm</Display>
-  <Edit>DocumentLibraryForm</Edit>
-  <New>DocumentLibraryForm</New>
-</FormTemplates>
-</file>
-
 <file path=customXml/item3.xml><?xml version="1.0" encoding="utf-8"?>
 <p:properties xmlns:p="http://schemas.microsoft.com/office/2006/metadata/properties" xmlns:xsi="http://www.w3.org/2001/XMLSchema-instance" xmlns:pc="http://schemas.microsoft.com/office/infopath/2007/PartnerControls">
   <documentManagement/>
@@ -13381,6 +13381,14 @@
 </file>
 
 <file path=customXml/itemProps1.xml><?xml version="1.0" encoding="utf-8"?>
+<ds:datastoreItem xmlns:ds="http://schemas.openxmlformats.org/officeDocument/2006/customXml" ds:itemID="{9E92BE79-D283-4F40-A701-6A637952FB28}">
+  <ds:schemaRefs>
+    <ds:schemaRef ds:uri="http://schemas.microsoft.com/sharepoint/v3/contenttype/forms"/>
+  </ds:schemaRefs>
+</ds:datastoreItem>
+</file>
+
+<file path=customXml/itemProps2.xml><?xml version="1.0" encoding="utf-8"?>
 <ds:datastoreItem xmlns:ds="http://schemas.openxmlformats.org/officeDocument/2006/customXml" ds:itemID="{771F61A5-0954-4C77-83EF-FB46DB57CC2B}">
   <ds:schemaRefs>
     <ds:schemaRef ds:uri="http://schemas.microsoft.com/office/2006/metadata/contentType"/>
@@ -13394,14 +13402,6 @@
     <ds:schemaRef ds:uri="http://purl.org/dc/elements/1.1/"/>
     <ds:schemaRef ds:uri="http://purl.org/dc/terms/"/>
     <ds:schemaRef ds:uri="http://schemas.microsoft.com/internal/obd"/>
-  </ds:schemaRefs>
-</ds:datastoreItem>
-</file>
-
-<file path=customXml/itemProps2.xml><?xml version="1.0" encoding="utf-8"?>
-<ds:datastoreItem xmlns:ds="http://schemas.openxmlformats.org/officeDocument/2006/customXml" ds:itemID="{9E92BE79-D283-4F40-A701-6A637952FB28}">
-  <ds:schemaRefs>
-    <ds:schemaRef ds:uri="http://schemas.microsoft.com/sharepoint/v3/contenttype/forms"/>
   </ds:schemaRefs>
 </ds:datastoreItem>
 </file>
